--- a/PILLAR 2/presentation.pptx
+++ b/PILLAR 2/presentation.pptx
@@ -274,7 +274,7 @@
   </p:defaultTextStyle>
   <p:extLst>
     <p:ext uri="{EFAFB233-063F-42B5-8137-9DF3F51BA10A}">
-      <p15:sldGuideLst xmlns="" xmlns:mc="http://schemas.openxmlformats.org/markup-compatibility/2006" xmlns:mv="urn:schemas-microsoft-com:mac:vml" xmlns:c="http://schemas.openxmlformats.org/drawingml/2006/chart" xmlns:dgm="http://schemas.openxmlformats.org/drawingml/2006/diagram" xmlns:o="urn:schemas-microsoft-com:office:office" xmlns:v="urn:schemas-microsoft-com:vml" xmlns:pvml="urn:schemas-microsoft-com:office:powerpoint" xmlns:com="http://schemas.openxmlformats.org/drawingml/2006/compatibility" xmlns:p14="http://schemas.microsoft.com/office/powerpoint/2010/main" xmlns:p15="http://schemas.microsoft.com/office/powerpoint/2012/main">
+      <p15:sldGuideLst xmlns:p15="http://schemas.microsoft.com/office/powerpoint/2012/main" xmlns:p14="http://schemas.microsoft.com/office/powerpoint/2010/main" xmlns:com="http://schemas.openxmlformats.org/drawingml/2006/compatibility" xmlns:pvml="urn:schemas-microsoft-com:office:powerpoint" xmlns:v="urn:schemas-microsoft-com:vml" xmlns:o="urn:schemas-microsoft-com:office:office" xmlns:dgm="http://schemas.openxmlformats.org/drawingml/2006/diagram" xmlns:c="http://schemas.openxmlformats.org/drawingml/2006/chart" xmlns:mv="urn:schemas-microsoft-com:mac:vml" xmlns:mc="http://schemas.openxmlformats.org/markup-compatibility/2006" xmlns="">
         <p15:guide id="1" orient="horz" pos="1620">
           <p15:clr>
             <a:srgbClr val="A4A3A4"/>
@@ -7708,11 +7708,7 @@
           <a:p>
             <a:r>
               <a:rPr lang="en-IN" b="1" u="sng" dirty="0" smtClean="0"/>
-              <a:t>PROBLEM  </a:t>
-            </a:r>
-            <a:r>
-              <a:rPr lang="en-IN" b="1" u="sng" dirty="0" smtClean="0"/>
-              <a:t>DEFINITION </a:t>
+              <a:t>PROBLEM  DEFINITION </a:t>
             </a:r>
             <a:r>
               <a:rPr lang="en-IN" dirty="0" smtClean="0"/>
@@ -7804,11 +7800,7 @@
           <a:p>
             <a:r>
               <a:rPr lang="en-IN" b="1" u="sng" dirty="0" smtClean="0"/>
-              <a:t>NORTH </a:t>
-            </a:r>
-            <a:r>
-              <a:rPr lang="en-IN" b="1" u="sng" dirty="0" smtClean="0"/>
-              <a:t>STAR CUSTOMER</a:t>
+              <a:t>NORTH STAR CUSTOMER</a:t>
             </a:r>
             <a:r>
               <a:rPr lang="en-IN" dirty="0" smtClean="0"/>
@@ -7845,11 +7837,7 @@
           <a:p>
             <a:r>
               <a:rPr lang="en-IN" sz="1800" dirty="0" smtClean="0"/>
-              <a:t>Our North Star customer is the general public and politicians because we believe that we need to project RCE Saskatchewan and it’s work to the common public so as to demonstrate its contribution towards UN goals and what it is doing for the local and global communities. In this way, we can also involve people in the RCE Saskatchewan working and they can also contribute to the community and development of RCE as </a:t>
-            </a:r>
-            <a:r>
-              <a:rPr lang="en-IN" sz="1800" dirty="0" smtClean="0"/>
-              <a:t>well.</a:t>
+              <a:t>Our North Star customer is the general public and politicians because we believe that we need to project RCE Saskatchewan and it’s work to the common public so as to demonstrate its contribution towards UN goals and what it is doing for the local and global communities. In this way, we can also involve people in the RCE Saskatchewan working and they can also contribute to the community and development of RCE as well.</a:t>
             </a:r>
             <a:endParaRPr lang="en-US" sz="1800" dirty="0" smtClean="0"/>
           </a:p>
@@ -8156,11 +8144,7 @@
             </a:pPr>
             <a:r>
               <a:rPr lang="en-IN" sz="1800" dirty="0" smtClean="0"/>
-              <a:t>How can we rise funding through our website</a:t>
-            </a:r>
-            <a:r>
-              <a:rPr lang="en-IN" sz="1800" dirty="0" smtClean="0"/>
-              <a:t>?</a:t>
+              <a:t>How can we rise funding through our website?</a:t>
             </a:r>
           </a:p>
           <a:p>
@@ -8291,11 +8275,7 @@
             </a:pPr>
             <a:r>
               <a:rPr lang="en-IN" sz="1800" dirty="0" smtClean="0"/>
-              <a:t>We tried to design </a:t>
-            </a:r>
-            <a:r>
-              <a:rPr lang="en-IN" sz="1800" dirty="0" smtClean="0"/>
-              <a:t>our website in a way that it matches Saskatchewan flag and color schemes are matched as well.</a:t>
+              <a:t>We tried to design our website in a way that it matches Saskatchewan flag and color schemes are matched as well.</a:t>
             </a:r>
           </a:p>
           <a:p>
